--- a/Proposal/archidesign.pptx
+++ b/Proposal/archidesign.pptx
@@ -6,6 +6,8 @@
   </p:sldMasterIdLst>
   <p:sldIdLst>
     <p:sldId id="256" r:id="rId2"/>
+    <p:sldId id="257" r:id="rId3"/>
+    <p:sldId id="258" r:id="rId4"/>
   </p:sldIdLst>
   <p:sldSz cx="9144000" cy="6858000" type="screen4x3"/>
   <p:notesSz cx="6858000" cy="9144000"/>
@@ -136,7 +138,7 @@
         </p:nvSpPr>
         <p:spPr>
           <a:xfrm>
-            <a:off x="685800" y="2130425"/>
+            <a:off x="685800" y="2130426"/>
             <a:ext cx="7772400" cy="1470025"/>
           </a:xfrm>
         </p:spPr>
@@ -288,7 +290,7 @@
           <a:p>
             <a:fld id="{8BDCFF89-9F7D-48E3-8B40-249D754CF925}" type="datetimeFigureOut">
               <a:rPr lang="fil-PH" smtClean="0"/>
-              <a:t>6/17/2010</a:t>
+              <a:t>4/3/2013</a:t>
             </a:fld>
             <a:endParaRPr lang="fil-PH"/>
           </a:p>
@@ -453,7 +455,7 @@
           <a:p>
             <a:fld id="{8BDCFF89-9F7D-48E3-8B40-249D754CF925}" type="datetimeFigureOut">
               <a:rPr lang="fil-PH" smtClean="0"/>
-              <a:t>6/17/2010</a:t>
+              <a:t>4/3/2013</a:t>
             </a:fld>
             <a:endParaRPr lang="fil-PH"/>
           </a:p>
@@ -538,7 +540,7 @@
         </p:nvSpPr>
         <p:spPr>
           <a:xfrm>
-            <a:off x="6629400" y="274638"/>
+            <a:off x="6629400" y="274639"/>
             <a:ext cx="2057400" cy="5851525"/>
           </a:xfrm>
         </p:spPr>
@@ -566,7 +568,7 @@
         </p:nvSpPr>
         <p:spPr>
           <a:xfrm>
-            <a:off x="457200" y="274638"/>
+            <a:off x="457200" y="274639"/>
             <a:ext cx="6019800" cy="5851525"/>
           </a:xfrm>
         </p:spPr>
@@ -628,7 +630,7 @@
           <a:p>
             <a:fld id="{8BDCFF89-9F7D-48E3-8B40-249D754CF925}" type="datetimeFigureOut">
               <a:rPr lang="fil-PH" smtClean="0"/>
-              <a:t>6/17/2010</a:t>
+              <a:t>4/3/2013</a:t>
             </a:fld>
             <a:endParaRPr lang="fil-PH"/>
           </a:p>
@@ -793,7 +795,7 @@
           <a:p>
             <a:fld id="{8BDCFF89-9F7D-48E3-8B40-249D754CF925}" type="datetimeFigureOut">
               <a:rPr lang="fil-PH" smtClean="0"/>
-              <a:t>6/17/2010</a:t>
+              <a:t>4/3/2013</a:t>
             </a:fld>
             <a:endParaRPr lang="fil-PH"/>
           </a:p>
@@ -910,7 +912,7 @@
         </p:nvSpPr>
         <p:spPr>
           <a:xfrm>
-            <a:off x="722313" y="2906713"/>
+            <a:off x="722313" y="2906714"/>
             <a:ext cx="7772400" cy="1500187"/>
           </a:xfrm>
         </p:spPr>
@@ -1034,7 +1036,7 @@
           <a:p>
             <a:fld id="{8BDCFF89-9F7D-48E3-8B40-249D754CF925}" type="datetimeFigureOut">
               <a:rPr lang="fil-PH" smtClean="0"/>
-              <a:t>6/17/2010</a:t>
+              <a:t>4/3/2013</a:t>
             </a:fld>
             <a:endParaRPr lang="fil-PH"/>
           </a:p>
@@ -1142,7 +1144,7 @@
         </p:nvSpPr>
         <p:spPr>
           <a:xfrm>
-            <a:off x="457200" y="1600200"/>
+            <a:off x="457200" y="1600201"/>
             <a:ext cx="4038600" cy="4525963"/>
           </a:xfrm>
         </p:spPr>
@@ -1227,7 +1229,7 @@
         </p:nvSpPr>
         <p:spPr>
           <a:xfrm>
-            <a:off x="4648200" y="1600200"/>
+            <a:off x="4648200" y="1600201"/>
             <a:ext cx="4038600" cy="4525963"/>
           </a:xfrm>
         </p:spPr>
@@ -1317,7 +1319,7 @@
           <a:p>
             <a:fld id="{8BDCFF89-9F7D-48E3-8B40-249D754CF925}" type="datetimeFigureOut">
               <a:rPr lang="fil-PH" smtClean="0"/>
-              <a:t>6/17/2010</a:t>
+              <a:t>4/3/2013</a:t>
             </a:fld>
             <a:endParaRPr lang="fil-PH"/>
           </a:p>
@@ -1429,7 +1431,7 @@
         </p:nvSpPr>
         <p:spPr>
           <a:xfrm>
-            <a:off x="457200" y="1535113"/>
+            <a:off x="457201" y="1535113"/>
             <a:ext cx="4040188" cy="639762"/>
           </a:xfrm>
         </p:spPr>
@@ -1494,7 +1496,7 @@
         </p:nvSpPr>
         <p:spPr>
           <a:xfrm>
-            <a:off x="457200" y="2174875"/>
+            <a:off x="457201" y="2174875"/>
             <a:ext cx="4040188" cy="3951288"/>
           </a:xfrm>
         </p:spPr>
@@ -1579,7 +1581,7 @@
         </p:nvSpPr>
         <p:spPr>
           <a:xfrm>
-            <a:off x="4645025" y="1535113"/>
+            <a:off x="4645026" y="1535113"/>
             <a:ext cx="4041775" cy="639762"/>
           </a:xfrm>
         </p:spPr>
@@ -1644,7 +1646,7 @@
         </p:nvSpPr>
         <p:spPr>
           <a:xfrm>
-            <a:off x="4645025" y="2174875"/>
+            <a:off x="4645026" y="2174875"/>
             <a:ext cx="4041775" cy="3951288"/>
           </a:xfrm>
         </p:spPr>
@@ -1734,7 +1736,7 @@
           <a:p>
             <a:fld id="{8BDCFF89-9F7D-48E3-8B40-249D754CF925}" type="datetimeFigureOut">
               <a:rPr lang="fil-PH" smtClean="0"/>
-              <a:t>6/17/2010</a:t>
+              <a:t>4/3/2013</a:t>
             </a:fld>
             <a:endParaRPr lang="fil-PH"/>
           </a:p>
@@ -1847,7 +1849,7 @@
           <a:p>
             <a:fld id="{8BDCFF89-9F7D-48E3-8B40-249D754CF925}" type="datetimeFigureOut">
               <a:rPr lang="fil-PH" smtClean="0"/>
-              <a:t>6/17/2010</a:t>
+              <a:t>4/3/2013</a:t>
             </a:fld>
             <a:endParaRPr lang="fil-PH"/>
           </a:p>
@@ -1937,7 +1939,7 @@
           <a:p>
             <a:fld id="{8BDCFF89-9F7D-48E3-8B40-249D754CF925}" type="datetimeFigureOut">
               <a:rPr lang="fil-PH" smtClean="0"/>
-              <a:t>6/17/2010</a:t>
+              <a:t>4/3/2013</a:t>
             </a:fld>
             <a:endParaRPr lang="fil-PH"/>
           </a:p>
@@ -2022,7 +2024,7 @@
         </p:nvSpPr>
         <p:spPr>
           <a:xfrm>
-            <a:off x="457200" y="273050"/>
+            <a:off x="457201" y="273050"/>
             <a:ext cx="3008313" cy="1162050"/>
           </a:xfrm>
         </p:spPr>
@@ -2054,8 +2056,8 @@
         </p:nvSpPr>
         <p:spPr>
           <a:xfrm>
-            <a:off x="3575050" y="273050"/>
-            <a:ext cx="5111750" cy="5853113"/>
+            <a:off x="3575050" y="273051"/>
+            <a:ext cx="5111751" cy="5853113"/>
           </a:xfrm>
         </p:spPr>
         <p:txBody>
@@ -2139,7 +2141,7 @@
         </p:nvSpPr>
         <p:spPr>
           <a:xfrm>
-            <a:off x="457200" y="1435100"/>
+            <a:off x="457201" y="1435101"/>
             <a:ext cx="3008313" cy="4691063"/>
           </a:xfrm>
         </p:spPr>
@@ -2209,7 +2211,7 @@
           <a:p>
             <a:fld id="{8BDCFF89-9F7D-48E3-8B40-249D754CF925}" type="datetimeFigureOut">
               <a:rPr lang="fil-PH" smtClean="0"/>
-              <a:t>6/17/2010</a:t>
+              <a:t>4/3/2013</a:t>
             </a:fld>
             <a:endParaRPr lang="fil-PH"/>
           </a:p>
@@ -2294,7 +2296,7 @@
         </p:nvSpPr>
         <p:spPr>
           <a:xfrm>
-            <a:off x="1792288" y="4800600"/>
+            <a:off x="1792288" y="4800601"/>
             <a:ext cx="5486400" cy="566738"/>
           </a:xfrm>
         </p:spPr>
@@ -2387,7 +2389,7 @@
         </p:nvSpPr>
         <p:spPr>
           <a:xfrm>
-            <a:off x="1792288" y="5367338"/>
+            <a:off x="1792288" y="5367339"/>
             <a:ext cx="5486400" cy="804862"/>
           </a:xfrm>
         </p:spPr>
@@ -2457,7 +2459,7 @@
           <a:p>
             <a:fld id="{8BDCFF89-9F7D-48E3-8B40-249D754CF925}" type="datetimeFigureOut">
               <a:rPr lang="fil-PH" smtClean="0"/>
-              <a:t>6/17/2010</a:t>
+              <a:t>4/3/2013</a:t>
             </a:fld>
             <a:endParaRPr lang="fil-PH"/>
           </a:p>
@@ -2580,7 +2582,7 @@
         </p:nvSpPr>
         <p:spPr>
           <a:xfrm>
-            <a:off x="457200" y="1600200"/>
+            <a:off x="457200" y="1600201"/>
             <a:ext cx="8229600" cy="4525963"/>
           </a:xfrm>
           <a:prstGeom prst="rect">
@@ -2642,7 +2644,7 @@
         </p:nvSpPr>
         <p:spPr>
           <a:xfrm>
-            <a:off x="457200" y="6356350"/>
+            <a:off x="457200" y="6356351"/>
             <a:ext cx="2133600" cy="365125"/>
           </a:xfrm>
           <a:prstGeom prst="rect">
@@ -2665,7 +2667,7 @@
           <a:p>
             <a:fld id="{8BDCFF89-9F7D-48E3-8B40-249D754CF925}" type="datetimeFigureOut">
               <a:rPr lang="fil-PH" smtClean="0"/>
-              <a:t>6/17/2010</a:t>
+              <a:t>4/3/2013</a:t>
             </a:fld>
             <a:endParaRPr lang="fil-PH"/>
           </a:p>
@@ -2683,7 +2685,7 @@
         </p:nvSpPr>
         <p:spPr>
           <a:xfrm>
-            <a:off x="3124200" y="6356350"/>
+            <a:off x="3124200" y="6356351"/>
             <a:ext cx="2895600" cy="365125"/>
           </a:xfrm>
           <a:prstGeom prst="rect">
@@ -2720,7 +2722,7 @@
         </p:nvSpPr>
         <p:spPr>
           <a:xfrm>
-            <a:off x="6553200" y="6356350"/>
+            <a:off x="6553200" y="6356351"/>
             <a:ext cx="2133600" cy="365125"/>
           </a:xfrm>
           <a:prstGeom prst="rect">
@@ -3037,51 +3039,13 @@
       </p:grpSpPr>
       <p:sp>
         <p:nvSpPr>
-          <p:cNvPr id="2" name="Rectangle 1"/>
-          <p:cNvSpPr/>
-          <p:nvPr/>
-        </p:nvSpPr>
-        <p:spPr>
-          <a:xfrm>
-            <a:off x="3212742" y="1676400"/>
-            <a:ext cx="1892658" cy="2781300"/>
-          </a:xfrm>
-          <a:prstGeom prst="rect">
-            <a:avLst/>
-          </a:prstGeom>
-        </p:spPr>
-        <p:style>
-          <a:lnRef idx="1">
-            <a:schemeClr val="accent1"/>
-          </a:lnRef>
-          <a:fillRef idx="2">
-            <a:schemeClr val="accent1"/>
-          </a:fillRef>
-          <a:effectRef idx="1">
-            <a:schemeClr val="accent1"/>
-          </a:effectRef>
-          <a:fontRef idx="minor">
-            <a:schemeClr val="dk1"/>
-          </a:fontRef>
-        </p:style>
-        <p:txBody>
-          <a:bodyPr rtlCol="0" anchor="ctr"/>
-          <a:lstStyle/>
-          <a:p>
-            <a:pPr algn="ctr"/>
-            <a:endParaRPr lang="fil-PH" dirty="0"/>
-          </a:p>
-        </p:txBody>
-      </p:sp>
-      <p:sp>
-        <p:nvSpPr>
           <p:cNvPr id="8" name="Flowchart: Magnetic Disk 7"/>
           <p:cNvSpPr/>
           <p:nvPr/>
         </p:nvSpPr>
         <p:spPr>
           <a:xfrm>
-            <a:off x="3733800" y="5181600"/>
+            <a:off x="4191000" y="5257800"/>
             <a:ext cx="838200" cy="762000"/>
           </a:xfrm>
           <a:prstGeom prst="flowChartMagneticDisk">
@@ -3111,7 +3075,7 @@
             <a:pPr algn="ctr"/>
             <a:r>
               <a:rPr lang="fil-PH" sz="1200" dirty="0" smtClean="0"/>
-              <a:t>Ontology</a:t>
+              <a:t>Relations</a:t>
             </a:r>
             <a:endParaRPr lang="fil-PH" sz="1200" dirty="0"/>
           </a:p>
@@ -3119,14 +3083,14 @@
       </p:sp>
       <p:sp>
         <p:nvSpPr>
-          <p:cNvPr id="9" name="Down Arrow 8"/>
+          <p:cNvPr id="12" name="Down Arrow 11"/>
           <p:cNvSpPr/>
           <p:nvPr/>
         </p:nvSpPr>
         <p:spPr>
           <a:xfrm>
-            <a:off x="3962400" y="1219200"/>
-            <a:ext cx="381000" cy="457200"/>
+            <a:off x="4419600" y="4851042"/>
+            <a:ext cx="381000" cy="381000"/>
           </a:xfrm>
           <a:prstGeom prst="downArrow">
             <a:avLst/>
@@ -3157,33 +3121,31 @@
       </p:sp>
       <p:sp>
         <p:nvSpPr>
-          <p:cNvPr id="4" name="Flowchart: Document 3"/>
+          <p:cNvPr id="2" name="Rectangle 1"/>
           <p:cNvSpPr/>
           <p:nvPr/>
         </p:nvSpPr>
         <p:spPr>
           <a:xfrm>
-            <a:off x="3581400" y="685800"/>
-            <a:ext cx="1143000" cy="685800"/>
-          </a:xfrm>
-          <a:prstGeom prst="flowChartDocument">
+            <a:off x="3212741" y="1384300"/>
+            <a:ext cx="2883259" cy="3492500"/>
+          </a:xfrm>
+          <a:prstGeom prst="rect">
             <a:avLst/>
           </a:prstGeom>
         </p:spPr>
         <p:style>
-          <a:lnRef idx="2">
-            <a:schemeClr val="accent1">
-              <a:shade val="50000"/>
-            </a:schemeClr>
+          <a:lnRef idx="1">
+            <a:schemeClr val="accent1"/>
           </a:lnRef>
-          <a:fillRef idx="1">
+          <a:fillRef idx="2">
             <a:schemeClr val="accent1"/>
           </a:fillRef>
-          <a:effectRef idx="0">
+          <a:effectRef idx="1">
             <a:schemeClr val="accent1"/>
           </a:effectRef>
           <a:fontRef idx="minor">
-            <a:schemeClr val="lt1"/>
+            <a:schemeClr val="dk1"/>
           </a:fontRef>
         </p:style>
         <p:txBody>
@@ -3191,24 +3153,20 @@
           <a:lstStyle/>
           <a:p>
             <a:pPr algn="ctr"/>
-            <a:r>
-              <a:rPr lang="fil-PH" sz="1200" dirty="0" smtClean="0"/>
-              <a:t>Unstructured Corpora</a:t>
-            </a:r>
-            <a:endParaRPr lang="fil-PH" sz="1200" dirty="0"/>
-          </a:p>
-        </p:txBody>
-      </p:sp>
-      <p:sp>
-        <p:nvSpPr>
-          <p:cNvPr id="10" name="Down Arrow 9"/>
+            <a:endParaRPr lang="fil-PH" dirty="0"/>
+          </a:p>
+        </p:txBody>
+      </p:sp>
+      <p:sp>
+        <p:nvSpPr>
+          <p:cNvPr id="9" name="Down Arrow 8"/>
           <p:cNvSpPr/>
           <p:nvPr/>
         </p:nvSpPr>
         <p:spPr>
           <a:xfrm>
-            <a:off x="3962400" y="2667000"/>
-            <a:ext cx="381000" cy="381000"/>
+            <a:off x="4419600" y="1066800"/>
+            <a:ext cx="381000" cy="457200"/>
           </a:xfrm>
           <a:prstGeom prst="downArrow">
             <a:avLst/>
@@ -3239,16 +3197,16 @@
       </p:sp>
       <p:sp>
         <p:nvSpPr>
-          <p:cNvPr id="5" name="Flowchart: Process 4"/>
+          <p:cNvPr id="4" name="Flowchart: Document 3"/>
           <p:cNvSpPr/>
           <p:nvPr/>
         </p:nvSpPr>
         <p:spPr>
           <a:xfrm>
-            <a:off x="3581400" y="2006958"/>
+            <a:off x="4038600" y="533400"/>
             <a:ext cx="1143000" cy="685800"/>
           </a:xfrm>
-          <a:prstGeom prst="flowChartProcess">
+          <a:prstGeom prst="flowChartDocument">
             <a:avLst/>
           </a:prstGeom>
         </p:spPr>
@@ -3275,7 +3233,7 @@
             <a:pPr algn="ctr"/>
             <a:r>
               <a:rPr lang="fil-PH" sz="1200" dirty="0" smtClean="0"/>
-              <a:t>Syntax Analysis</a:t>
+              <a:t>Unstructured Corpora</a:t>
             </a:r>
             <a:endParaRPr lang="fil-PH" sz="1200" dirty="0"/>
           </a:p>
@@ -3283,16 +3241,16 @@
       </p:sp>
       <p:sp>
         <p:nvSpPr>
-          <p:cNvPr id="11" name="Down Arrow 10"/>
+          <p:cNvPr id="17" name="Right Arrow 16"/>
           <p:cNvSpPr/>
           <p:nvPr/>
         </p:nvSpPr>
         <p:spPr>
           <a:xfrm>
-            <a:off x="3962400" y="3708042"/>
-            <a:ext cx="381000" cy="381000"/>
-          </a:xfrm>
-          <a:prstGeom prst="downArrow">
+            <a:off x="2869843" y="4343400"/>
+            <a:ext cx="685800" cy="381000"/>
+          </a:xfrm>
+          <a:prstGeom prst="rightArrow">
             <a:avLst/>
           </a:prstGeom>
         </p:spPr>
@@ -3321,16 +3279,16 @@
       </p:sp>
       <p:sp>
         <p:nvSpPr>
-          <p:cNvPr id="6" name="Flowchart: Process 5"/>
+          <p:cNvPr id="16" name="Flowchart: Magnetic Disk 15"/>
           <p:cNvSpPr/>
           <p:nvPr/>
         </p:nvSpPr>
         <p:spPr>
           <a:xfrm>
-            <a:off x="3581400" y="3073758"/>
-            <a:ext cx="1143000" cy="685800"/>
-          </a:xfrm>
-          <a:prstGeom prst="flowChartProcess">
+            <a:off x="2057400" y="4114800"/>
+            <a:ext cx="838200" cy="762000"/>
+          </a:xfrm>
+          <a:prstGeom prst="flowChartMagneticDisk">
             <a:avLst/>
           </a:prstGeom>
         </p:spPr>
@@ -3357,7 +3315,7 @@
             <a:pPr algn="ctr"/>
             <a:r>
               <a:rPr lang="fil-PH" sz="1200" dirty="0" smtClean="0"/>
-              <a:t>Semantic Analysis</a:t>
+              <a:t>Extraction Rules</a:t>
             </a:r>
             <a:endParaRPr lang="fil-PH" sz="1200" dirty="0"/>
           </a:p>
@@ -3365,16 +3323,16 @@
       </p:sp>
       <p:sp>
         <p:nvSpPr>
-          <p:cNvPr id="12" name="Down Arrow 11"/>
+          <p:cNvPr id="15" name="Right Arrow 14"/>
           <p:cNvSpPr/>
           <p:nvPr/>
         </p:nvSpPr>
         <p:spPr>
           <a:xfrm>
-            <a:off x="3962400" y="4774842"/>
-            <a:ext cx="381000" cy="381000"/>
-          </a:xfrm>
-          <a:prstGeom prst="downArrow">
+            <a:off x="2869484" y="1905000"/>
+            <a:ext cx="685800" cy="381000"/>
+          </a:xfrm>
+          <a:prstGeom prst="rightArrow">
             <a:avLst/>
           </a:prstGeom>
         </p:spPr>
@@ -3403,16 +3361,60 @@
       </p:sp>
       <p:sp>
         <p:nvSpPr>
-          <p:cNvPr id="17" name="Right Arrow 16"/>
+          <p:cNvPr id="18" name="Flowchart: Magnetic Disk 17"/>
           <p:cNvSpPr/>
           <p:nvPr/>
         </p:nvSpPr>
         <p:spPr>
           <a:xfrm>
-            <a:off x="2869842" y="4267200"/>
-            <a:ext cx="685800" cy="381000"/>
-          </a:xfrm>
-          <a:prstGeom prst="rightArrow">
+            <a:off x="1905000" y="1676400"/>
+            <a:ext cx="990243" cy="762000"/>
+          </a:xfrm>
+          <a:prstGeom prst="flowChartMagneticDisk">
+            <a:avLst/>
+          </a:prstGeom>
+        </p:spPr>
+        <p:style>
+          <a:lnRef idx="2">
+            <a:schemeClr val="accent1">
+              <a:shade val="50000"/>
+            </a:schemeClr>
+          </a:lnRef>
+          <a:fillRef idx="1">
+            <a:schemeClr val="accent1"/>
+          </a:fillRef>
+          <a:effectRef idx="0">
+            <a:schemeClr val="accent1"/>
+          </a:effectRef>
+          <a:fontRef idx="minor">
+            <a:schemeClr val="lt1"/>
+          </a:fontRef>
+        </p:style>
+        <p:txBody>
+          <a:bodyPr rtlCol="0" anchor="ctr"/>
+          <a:lstStyle/>
+          <a:p>
+            <a:pPr algn="ctr"/>
+            <a:r>
+              <a:rPr lang="fil-PH" sz="1200" dirty="0" smtClean="0"/>
+              <a:t>Gazetteers</a:t>
+            </a:r>
+            <a:endParaRPr lang="fil-PH" sz="1200" dirty="0"/>
+          </a:p>
+        </p:txBody>
+      </p:sp>
+      <p:sp>
+        <p:nvSpPr>
+          <p:cNvPr id="19" name="Down Arrow 18"/>
+          <p:cNvSpPr/>
+          <p:nvPr/>
+        </p:nvSpPr>
+        <p:spPr>
+          <a:xfrm>
+            <a:off x="4419600" y="3975100"/>
+            <a:ext cx="381000" cy="381000"/>
+          </a:xfrm>
+          <a:prstGeom prst="downArrow">
             <a:avLst/>
           </a:prstGeom>
         </p:spPr>
@@ -3441,16 +3443,54 @@
       </p:sp>
       <p:sp>
         <p:nvSpPr>
-          <p:cNvPr id="16" name="Flowchart: Magnetic Disk 15"/>
+          <p:cNvPr id="10" name="Down Arrow 9"/>
           <p:cNvSpPr/>
           <p:nvPr/>
         </p:nvSpPr>
         <p:spPr>
           <a:xfrm>
-            <a:off x="2057400" y="4038600"/>
-            <a:ext cx="838200" cy="762000"/>
-          </a:xfrm>
-          <a:prstGeom prst="flowChartMagneticDisk">
+            <a:off x="4419600" y="2603500"/>
+            <a:ext cx="381000" cy="381000"/>
+          </a:xfrm>
+          <a:prstGeom prst="downArrow">
+            <a:avLst/>
+          </a:prstGeom>
+        </p:spPr>
+        <p:style>
+          <a:lnRef idx="2">
+            <a:schemeClr val="accent6"/>
+          </a:lnRef>
+          <a:fillRef idx="1">
+            <a:schemeClr val="lt1"/>
+          </a:fillRef>
+          <a:effectRef idx="0">
+            <a:schemeClr val="accent6"/>
+          </a:effectRef>
+          <a:fontRef idx="minor">
+            <a:schemeClr val="dk1"/>
+          </a:fontRef>
+        </p:style>
+        <p:txBody>
+          <a:bodyPr rtlCol="0" anchor="ctr"/>
+          <a:lstStyle/>
+          <a:p>
+            <a:pPr algn="ctr"/>
+            <a:endParaRPr lang="fil-PH"/>
+          </a:p>
+        </p:txBody>
+      </p:sp>
+      <p:sp>
+        <p:nvSpPr>
+          <p:cNvPr id="5" name="Flowchart: Process 4"/>
+          <p:cNvSpPr/>
+          <p:nvPr/>
+        </p:nvSpPr>
+        <p:spPr>
+          <a:xfrm>
+            <a:off x="3581400" y="1562458"/>
+            <a:ext cx="2133600" cy="1104542"/>
+          </a:xfrm>
+          <a:prstGeom prst="flowChartProcess">
             <a:avLst/>
           </a:prstGeom>
         </p:spPr>
@@ -3476,8 +3516,15 @@
           <a:p>
             <a:pPr algn="ctr"/>
             <a:r>
+              <a:rPr lang="fil-PH" sz="1200" b="1" dirty="0" smtClean="0"/>
+              <a:t>ANNIE</a:t>
+            </a:r>
+          </a:p>
+          <a:p>
+            <a:pPr algn="ctr"/>
+            <a:r>
               <a:rPr lang="fil-PH" sz="1200" dirty="0" smtClean="0"/>
-              <a:t>Extraction Templates</a:t>
+              <a:t>English Tokeniser, Gazetteer, Sentence Splitter, POS Tagger, NE Transducer, Orthographic Coreference, Pronominal Coreference</a:t>
             </a:r>
             <a:endParaRPr lang="fil-PH" sz="1200" dirty="0"/>
           </a:p>
@@ -3485,14 +3532,52 @@
       </p:sp>
       <p:sp>
         <p:nvSpPr>
-          <p:cNvPr id="7" name="Flowchart: Process 6"/>
+          <p:cNvPr id="11" name="Down Arrow 10"/>
           <p:cNvSpPr/>
           <p:nvPr/>
         </p:nvSpPr>
         <p:spPr>
           <a:xfrm>
-            <a:off x="3581400" y="4114800"/>
-            <a:ext cx="1143000" cy="685800"/>
+            <a:off x="4419600" y="3289300"/>
+            <a:ext cx="381000" cy="381000"/>
+          </a:xfrm>
+          <a:prstGeom prst="downArrow">
+            <a:avLst/>
+          </a:prstGeom>
+        </p:spPr>
+        <p:style>
+          <a:lnRef idx="2">
+            <a:schemeClr val="accent6"/>
+          </a:lnRef>
+          <a:fillRef idx="1">
+            <a:schemeClr val="lt1"/>
+          </a:fillRef>
+          <a:effectRef idx="0">
+            <a:schemeClr val="accent6"/>
+          </a:effectRef>
+          <a:fontRef idx="minor">
+            <a:schemeClr val="dk1"/>
+          </a:fontRef>
+        </p:style>
+        <p:txBody>
+          <a:bodyPr rtlCol="0" anchor="ctr"/>
+          <a:lstStyle/>
+          <a:p>
+            <a:pPr algn="ctr"/>
+            <a:endParaRPr lang="fil-PH"/>
+          </a:p>
+        </p:txBody>
+      </p:sp>
+      <p:sp>
+        <p:nvSpPr>
+          <p:cNvPr id="6" name="Flowchart: Process 5"/>
+          <p:cNvSpPr/>
+          <p:nvPr/>
+        </p:nvSpPr>
+        <p:spPr>
+          <a:xfrm>
+            <a:off x="3581400" y="3010258"/>
+            <a:ext cx="2133600" cy="342900"/>
           </a:xfrm>
           <a:prstGeom prst="flowChartProcess">
             <a:avLst/>
@@ -3521,7 +3606,7 @@
             <a:pPr algn="ctr"/>
             <a:r>
               <a:rPr lang="fil-PH" sz="1200" dirty="0" smtClean="0"/>
-              <a:t>Relation Extraction</a:t>
+              <a:t>Morphological Analyzer</a:t>
             </a:r>
             <a:endParaRPr lang="fil-PH" sz="1200" dirty="0"/>
           </a:p>
@@ -3529,32 +3614,89 @@
       </p:sp>
       <p:sp>
         <p:nvSpPr>
-          <p:cNvPr id="3" name="TextBox 2"/>
-          <p:cNvSpPr txBox="1"/>
-          <p:nvPr/>
-        </p:nvSpPr>
-        <p:spPr>
-          <a:xfrm>
-            <a:off x="3505200" y="1676400"/>
-            <a:ext cx="1295400" cy="307777"/>
-          </a:xfrm>
-          <a:prstGeom prst="rect">
-            <a:avLst/>
-          </a:prstGeom>
-          <a:noFill/>
-        </p:spPr>
-        <p:txBody>
-          <a:bodyPr wrap="square" rtlCol="0">
-            <a:spAutoFit/>
-          </a:bodyPr>
+          <p:cNvPr id="7" name="Flowchart: Process 6"/>
+          <p:cNvSpPr/>
+          <p:nvPr/>
+        </p:nvSpPr>
+        <p:spPr>
+          <a:xfrm>
+            <a:off x="3581400" y="3695700"/>
+            <a:ext cx="2133600" cy="342900"/>
+          </a:xfrm>
+          <a:prstGeom prst="flowChartProcess">
+            <a:avLst/>
+          </a:prstGeom>
+        </p:spPr>
+        <p:style>
+          <a:lnRef idx="2">
+            <a:schemeClr val="accent1">
+              <a:shade val="50000"/>
+            </a:schemeClr>
+          </a:lnRef>
+          <a:fillRef idx="1">
+            <a:schemeClr val="accent1"/>
+          </a:fillRef>
+          <a:effectRef idx="0">
+            <a:schemeClr val="accent1"/>
+          </a:effectRef>
+          <a:fontRef idx="minor">
+            <a:schemeClr val="lt1"/>
+          </a:fontRef>
+        </p:style>
+        <p:txBody>
+          <a:bodyPr rtlCol="0" anchor="ctr"/>
           <a:lstStyle/>
           <a:p>
             <a:pPr algn="ctr"/>
             <a:r>
-              <a:rPr lang="fil-PH" sz="1400" dirty="0" smtClean="0"/>
-              <a:t>GATE</a:t>
-            </a:r>
-            <a:endParaRPr lang="fil-PH" sz="1400" dirty="0"/>
+              <a:rPr lang="fil-PH" sz="1200" dirty="0" smtClean="0"/>
+              <a:t>OpenNLP Chunker</a:t>
+            </a:r>
+            <a:endParaRPr lang="fil-PH" sz="1200" dirty="0"/>
+          </a:p>
+        </p:txBody>
+      </p:sp>
+      <p:sp>
+        <p:nvSpPr>
+          <p:cNvPr id="20" name="Flowchart: Process 19"/>
+          <p:cNvSpPr/>
+          <p:nvPr/>
+        </p:nvSpPr>
+        <p:spPr>
+          <a:xfrm>
+            <a:off x="3581400" y="4381500"/>
+            <a:ext cx="2133600" cy="342900"/>
+          </a:xfrm>
+          <a:prstGeom prst="flowChartProcess">
+            <a:avLst/>
+          </a:prstGeom>
+        </p:spPr>
+        <p:style>
+          <a:lnRef idx="2">
+            <a:schemeClr val="accent1">
+              <a:shade val="50000"/>
+            </a:schemeClr>
+          </a:lnRef>
+          <a:fillRef idx="1">
+            <a:schemeClr val="accent1"/>
+          </a:fillRef>
+          <a:effectRef idx="0">
+            <a:schemeClr val="accent1"/>
+          </a:effectRef>
+          <a:fontRef idx="minor">
+            <a:schemeClr val="lt1"/>
+          </a:fontRef>
+        </p:style>
+        <p:txBody>
+          <a:bodyPr rtlCol="0" anchor="ctr"/>
+          <a:lstStyle/>
+          <a:p>
+            <a:pPr algn="ctr"/>
+            <a:r>
+              <a:rPr lang="fil-PH" sz="1200" dirty="0" smtClean="0"/>
+              <a:t>JAPE Transducer</a:t>
+            </a:r>
+            <a:endParaRPr lang="fil-PH" sz="1200" dirty="0"/>
           </a:p>
         </p:txBody>
       </p:sp>
@@ -3563,6 +3705,1831 @@
   <p:clrMapOvr>
     <a:masterClrMapping/>
   </p:clrMapOvr>
+  <p:timing>
+    <p:tnLst>
+      <p:par>
+        <p:cTn id="1" dur="indefinite" restart="never" nodeType="tmRoot"/>
+      </p:par>
+    </p:tnLst>
+  </p:timing>
+</p:sld>
+</file>
+
+<file path=ppt/slides/slide2.xml><?xml version="1.0" encoding="utf-8"?>
+<p:sld xmlns:a="http://schemas.openxmlformats.org/drawingml/2006/main" xmlns:r="http://schemas.openxmlformats.org/officeDocument/2006/relationships" xmlns:p="http://schemas.openxmlformats.org/presentationml/2006/main">
+  <p:cSld>
+    <p:spTree>
+      <p:nvGrpSpPr>
+        <p:cNvPr id="1" name=""/>
+        <p:cNvGrpSpPr/>
+        <p:nvPr/>
+      </p:nvGrpSpPr>
+      <p:grpSpPr>
+        <a:xfrm>
+          <a:off x="0" y="0"/>
+          <a:ext cx="0" cy="0"/>
+          <a:chOff x="0" y="0"/>
+          <a:chExt cx="0" cy="0"/>
+        </a:xfrm>
+      </p:grpSpPr>
+      <p:sp>
+        <p:nvSpPr>
+          <p:cNvPr id="50" name="Rectangle 49"/>
+          <p:cNvSpPr/>
+          <p:nvPr/>
+        </p:nvSpPr>
+        <p:spPr>
+          <a:xfrm>
+            <a:off x="850900" y="1879598"/>
+            <a:ext cx="2633552" cy="2324101"/>
+          </a:xfrm>
+          <a:prstGeom prst="rect">
+            <a:avLst/>
+          </a:prstGeom>
+          <a:ln w="12700"/>
+        </p:spPr>
+        <p:style>
+          <a:lnRef idx="2">
+            <a:schemeClr val="dk1"/>
+          </a:lnRef>
+          <a:fillRef idx="1">
+            <a:schemeClr val="lt1"/>
+          </a:fillRef>
+          <a:effectRef idx="0">
+            <a:schemeClr val="dk1"/>
+          </a:effectRef>
+          <a:fontRef idx="minor">
+            <a:schemeClr val="dk1"/>
+          </a:fontRef>
+        </p:style>
+        <p:txBody>
+          <a:bodyPr rtlCol="0" anchor="ctr"/>
+          <a:lstStyle/>
+          <a:p>
+            <a:pPr algn="ctr"/>
+            <a:endParaRPr lang="fil-PH" dirty="0"/>
+          </a:p>
+        </p:txBody>
+      </p:sp>
+      <p:sp>
+        <p:nvSpPr>
+          <p:cNvPr id="19" name="Rectangle 18"/>
+          <p:cNvSpPr/>
+          <p:nvPr/>
+        </p:nvSpPr>
+        <p:spPr>
+          <a:xfrm>
+            <a:off x="3780441" y="1219200"/>
+            <a:ext cx="2362200" cy="3657600"/>
+          </a:xfrm>
+          <a:prstGeom prst="rect">
+            <a:avLst/>
+          </a:prstGeom>
+          <a:ln w="12700"/>
+        </p:spPr>
+        <p:style>
+          <a:lnRef idx="2">
+            <a:schemeClr val="dk1"/>
+          </a:lnRef>
+          <a:fillRef idx="1">
+            <a:schemeClr val="lt1"/>
+          </a:fillRef>
+          <a:effectRef idx="0">
+            <a:schemeClr val="dk1"/>
+          </a:effectRef>
+          <a:fontRef idx="minor">
+            <a:schemeClr val="dk1"/>
+          </a:fontRef>
+        </p:style>
+        <p:txBody>
+          <a:bodyPr rtlCol="0" anchor="ctr"/>
+          <a:lstStyle/>
+          <a:p>
+            <a:pPr algn="ctr"/>
+            <a:endParaRPr lang="fil-PH" dirty="0"/>
+          </a:p>
+        </p:txBody>
+      </p:sp>
+      <p:sp>
+        <p:nvSpPr>
+          <p:cNvPr id="2" name="Oval 1"/>
+          <p:cNvSpPr/>
+          <p:nvPr/>
+        </p:nvSpPr>
+        <p:spPr>
+          <a:xfrm>
+            <a:off x="3949700" y="1371600"/>
+            <a:ext cx="1041400" cy="330200"/>
+          </a:xfrm>
+          <a:prstGeom prst="ellipse">
+            <a:avLst/>
+          </a:prstGeom>
+        </p:spPr>
+        <p:style>
+          <a:lnRef idx="2">
+            <a:schemeClr val="accent1">
+              <a:shade val="50000"/>
+            </a:schemeClr>
+          </a:lnRef>
+          <a:fillRef idx="1">
+            <a:schemeClr val="accent1"/>
+          </a:fillRef>
+          <a:effectRef idx="0">
+            <a:schemeClr val="accent1"/>
+          </a:effectRef>
+          <a:fontRef idx="minor">
+            <a:schemeClr val="lt1"/>
+          </a:fontRef>
+        </p:style>
+        <p:txBody>
+          <a:bodyPr rtlCol="0" anchor="ctr"/>
+          <a:lstStyle/>
+          <a:p>
+            <a:pPr algn="ctr"/>
+            <a:r>
+              <a:rPr lang="en-PH" sz="1200" b="1" dirty="0" smtClean="0"/>
+              <a:t>lamp</a:t>
+            </a:r>
+            <a:endParaRPr lang="en-PH" sz="1200" b="1" dirty="0"/>
+          </a:p>
+        </p:txBody>
+      </p:sp>
+      <p:sp>
+        <p:nvSpPr>
+          <p:cNvPr id="3" name="Oval 2"/>
+          <p:cNvSpPr/>
+          <p:nvPr/>
+        </p:nvSpPr>
+        <p:spPr>
+          <a:xfrm>
+            <a:off x="3949700" y="2057400"/>
+            <a:ext cx="1041400" cy="330200"/>
+          </a:xfrm>
+          <a:prstGeom prst="ellipse">
+            <a:avLst/>
+          </a:prstGeom>
+        </p:spPr>
+        <p:style>
+          <a:lnRef idx="2">
+            <a:schemeClr val="accent1">
+              <a:shade val="50000"/>
+            </a:schemeClr>
+          </a:lnRef>
+          <a:fillRef idx="1">
+            <a:schemeClr val="accent1"/>
+          </a:fillRef>
+          <a:effectRef idx="0">
+            <a:schemeClr val="accent1"/>
+          </a:effectRef>
+          <a:fontRef idx="minor">
+            <a:schemeClr val="lt1"/>
+          </a:fontRef>
+        </p:style>
+        <p:txBody>
+          <a:bodyPr rtlCol="0" anchor="ctr"/>
+          <a:lstStyle/>
+          <a:p>
+            <a:pPr algn="ctr"/>
+            <a:r>
+              <a:rPr lang="en-PH" sz="1200" b="1" dirty="0" smtClean="0"/>
+              <a:t>break</a:t>
+            </a:r>
+            <a:endParaRPr lang="en-PH" sz="1200" b="1" dirty="0"/>
+          </a:p>
+        </p:txBody>
+      </p:sp>
+      <p:sp>
+        <p:nvSpPr>
+          <p:cNvPr id="4" name="Oval 3"/>
+          <p:cNvSpPr/>
+          <p:nvPr/>
+        </p:nvSpPr>
+        <p:spPr>
+          <a:xfrm>
+            <a:off x="3949700" y="2743200"/>
+            <a:ext cx="1041400" cy="457200"/>
+          </a:xfrm>
+          <a:prstGeom prst="ellipse">
+            <a:avLst/>
+          </a:prstGeom>
+        </p:spPr>
+        <p:style>
+          <a:lnRef idx="2">
+            <a:schemeClr val="accent1">
+              <a:shade val="50000"/>
+            </a:schemeClr>
+          </a:lnRef>
+          <a:fillRef idx="1">
+            <a:schemeClr val="accent1"/>
+          </a:fillRef>
+          <a:effectRef idx="0">
+            <a:schemeClr val="accent1"/>
+          </a:effectRef>
+          <a:fontRef idx="minor">
+            <a:schemeClr val="lt1"/>
+          </a:fontRef>
+        </p:style>
+        <p:txBody>
+          <a:bodyPr rtlCol="0" anchor="ctr"/>
+          <a:lstStyle/>
+          <a:p>
+            <a:pPr algn="ctr"/>
+            <a:r>
+              <a:rPr lang="en-PH" sz="1200" b="1" dirty="0"/>
+              <a:t>b</a:t>
+            </a:r>
+            <a:r>
+              <a:rPr lang="en-PH" sz="1200" b="1" dirty="0" smtClean="0"/>
+              <a:t>reak object</a:t>
+            </a:r>
+            <a:endParaRPr lang="en-PH" sz="1200" b="1" dirty="0"/>
+          </a:p>
+        </p:txBody>
+      </p:sp>
+      <p:sp>
+        <p:nvSpPr>
+          <p:cNvPr id="5" name="Oval 4"/>
+          <p:cNvSpPr/>
+          <p:nvPr/>
+        </p:nvSpPr>
+        <p:spPr>
+          <a:xfrm>
+            <a:off x="3949700" y="3556000"/>
+            <a:ext cx="1041400" cy="457200"/>
+          </a:xfrm>
+          <a:prstGeom prst="ellipse">
+            <a:avLst/>
+          </a:prstGeom>
+        </p:spPr>
+        <p:style>
+          <a:lnRef idx="2">
+            <a:schemeClr val="accent1">
+              <a:shade val="50000"/>
+            </a:schemeClr>
+          </a:lnRef>
+          <a:fillRef idx="1">
+            <a:schemeClr val="accent1"/>
+          </a:fillRef>
+          <a:effectRef idx="0">
+            <a:schemeClr val="accent1"/>
+          </a:effectRef>
+          <a:fontRef idx="minor">
+            <a:schemeClr val="lt1"/>
+          </a:fontRef>
+        </p:style>
+        <p:txBody>
+          <a:bodyPr rtlCol="0" anchor="ctr"/>
+          <a:lstStyle/>
+          <a:p>
+            <a:pPr algn="ctr"/>
+            <a:r>
+              <a:rPr lang="en-PH" sz="1200" b="1" dirty="0"/>
+              <a:t>b</a:t>
+            </a:r>
+            <a:r>
+              <a:rPr lang="en-PH" sz="1200" b="1" dirty="0" smtClean="0"/>
+              <a:t>e scared</a:t>
+            </a:r>
+            <a:endParaRPr lang="en-PH" sz="1200" b="1" dirty="0"/>
+          </a:p>
+        </p:txBody>
+      </p:sp>
+      <p:sp>
+        <p:nvSpPr>
+          <p:cNvPr id="6" name="Oval 5"/>
+          <p:cNvSpPr/>
+          <p:nvPr/>
+        </p:nvSpPr>
+        <p:spPr>
+          <a:xfrm>
+            <a:off x="3949700" y="4394200"/>
+            <a:ext cx="1041400" cy="330200"/>
+          </a:xfrm>
+          <a:prstGeom prst="ellipse">
+            <a:avLst/>
+          </a:prstGeom>
+        </p:spPr>
+        <p:style>
+          <a:lnRef idx="2">
+            <a:schemeClr val="accent1">
+              <a:shade val="50000"/>
+            </a:schemeClr>
+          </a:lnRef>
+          <a:fillRef idx="1">
+            <a:schemeClr val="accent1"/>
+          </a:fillRef>
+          <a:effectRef idx="0">
+            <a:schemeClr val="accent1"/>
+          </a:effectRef>
+          <a:fontRef idx="minor">
+            <a:schemeClr val="lt1"/>
+          </a:fontRef>
+        </p:style>
+        <p:txBody>
+          <a:bodyPr rtlCol="0" anchor="ctr"/>
+          <a:lstStyle/>
+          <a:p>
+            <a:pPr algn="ctr"/>
+            <a:r>
+              <a:rPr lang="en-PH" sz="1200" b="1" dirty="0" smtClean="0"/>
+              <a:t>emotion</a:t>
+            </a:r>
+            <a:endParaRPr lang="en-PH" sz="1200" b="1" dirty="0"/>
+          </a:p>
+        </p:txBody>
+      </p:sp>
+      <p:cxnSp>
+        <p:nvCxnSpPr>
+          <p:cNvPr id="8" name="Straight Connector 7"/>
+          <p:cNvCxnSpPr>
+            <a:stCxn id="2" idx="4"/>
+            <a:endCxn id="3" idx="0"/>
+          </p:cNvCxnSpPr>
+          <p:nvPr/>
+        </p:nvCxnSpPr>
+        <p:spPr>
+          <a:xfrm>
+            <a:off x="4470400" y="1701800"/>
+            <a:ext cx="0" cy="355600"/>
+          </a:xfrm>
+          <a:prstGeom prst="line">
+            <a:avLst/>
+          </a:prstGeom>
+          <a:ln w="19050"/>
+        </p:spPr>
+        <p:style>
+          <a:lnRef idx="1">
+            <a:schemeClr val="accent1"/>
+          </a:lnRef>
+          <a:fillRef idx="0">
+            <a:schemeClr val="accent1"/>
+          </a:fillRef>
+          <a:effectRef idx="0">
+            <a:schemeClr val="accent1"/>
+          </a:effectRef>
+          <a:fontRef idx="minor">
+            <a:schemeClr val="tx1"/>
+          </a:fontRef>
+        </p:style>
+      </p:cxnSp>
+      <p:cxnSp>
+        <p:nvCxnSpPr>
+          <p:cNvPr id="10" name="Straight Connector 9"/>
+          <p:cNvCxnSpPr>
+            <a:stCxn id="3" idx="4"/>
+            <a:endCxn id="4" idx="0"/>
+          </p:cNvCxnSpPr>
+          <p:nvPr/>
+        </p:nvCxnSpPr>
+        <p:spPr>
+          <a:xfrm>
+            <a:off x="4470400" y="2387600"/>
+            <a:ext cx="0" cy="355600"/>
+          </a:xfrm>
+          <a:prstGeom prst="line">
+            <a:avLst/>
+          </a:prstGeom>
+          <a:ln w="19050"/>
+        </p:spPr>
+        <p:style>
+          <a:lnRef idx="1">
+            <a:schemeClr val="accent1"/>
+          </a:lnRef>
+          <a:fillRef idx="0">
+            <a:schemeClr val="accent1"/>
+          </a:fillRef>
+          <a:effectRef idx="0">
+            <a:schemeClr val="accent1"/>
+          </a:effectRef>
+          <a:fontRef idx="minor">
+            <a:schemeClr val="tx1"/>
+          </a:fontRef>
+        </p:style>
+      </p:cxnSp>
+      <p:cxnSp>
+        <p:nvCxnSpPr>
+          <p:cNvPr id="12" name="Straight Connector 11"/>
+          <p:cNvCxnSpPr>
+            <a:stCxn id="4" idx="4"/>
+            <a:endCxn id="5" idx="0"/>
+          </p:cNvCxnSpPr>
+          <p:nvPr/>
+        </p:nvCxnSpPr>
+        <p:spPr>
+          <a:xfrm>
+            <a:off x="4470400" y="3200400"/>
+            <a:ext cx="0" cy="355600"/>
+          </a:xfrm>
+          <a:prstGeom prst="line">
+            <a:avLst/>
+          </a:prstGeom>
+          <a:ln w="19050"/>
+        </p:spPr>
+        <p:style>
+          <a:lnRef idx="1">
+            <a:schemeClr val="accent1"/>
+          </a:lnRef>
+          <a:fillRef idx="0">
+            <a:schemeClr val="accent1"/>
+          </a:fillRef>
+          <a:effectRef idx="0">
+            <a:schemeClr val="accent1"/>
+          </a:effectRef>
+          <a:fontRef idx="minor">
+            <a:schemeClr val="tx1"/>
+          </a:fontRef>
+        </p:style>
+      </p:cxnSp>
+      <p:cxnSp>
+        <p:nvCxnSpPr>
+          <p:cNvPr id="14" name="Straight Connector 13"/>
+          <p:cNvCxnSpPr>
+            <a:stCxn id="5" idx="4"/>
+            <a:endCxn id="6" idx="0"/>
+          </p:cNvCxnSpPr>
+          <p:nvPr/>
+        </p:nvCxnSpPr>
+        <p:spPr>
+          <a:xfrm>
+            <a:off x="4470400" y="4013200"/>
+            <a:ext cx="0" cy="381000"/>
+          </a:xfrm>
+          <a:prstGeom prst="line">
+            <a:avLst/>
+          </a:prstGeom>
+          <a:ln w="19050"/>
+        </p:spPr>
+        <p:style>
+          <a:lnRef idx="1">
+            <a:schemeClr val="accent1"/>
+          </a:lnRef>
+          <a:fillRef idx="0">
+            <a:schemeClr val="accent1"/>
+          </a:fillRef>
+          <a:effectRef idx="0">
+            <a:schemeClr val="accent1"/>
+          </a:effectRef>
+          <a:fontRef idx="minor">
+            <a:schemeClr val="tx1"/>
+          </a:fontRef>
+        </p:style>
+      </p:cxnSp>
+      <p:sp>
+        <p:nvSpPr>
+          <p:cNvPr id="15" name="TextBox 14"/>
+          <p:cNvSpPr txBox="1"/>
+          <p:nvPr/>
+        </p:nvSpPr>
+        <p:spPr>
+          <a:xfrm>
+            <a:off x="4498407" y="1741099"/>
+            <a:ext cx="832985" cy="276999"/>
+          </a:xfrm>
+          <a:prstGeom prst="rect">
+            <a:avLst/>
+          </a:prstGeom>
+          <a:noFill/>
+        </p:spPr>
+        <p:txBody>
+          <a:bodyPr wrap="none" rtlCol="0">
+            <a:spAutoFit/>
+          </a:bodyPr>
+          <a:lstStyle/>
+          <a:p>
+            <a:r>
+              <a:rPr lang="en-PH" sz="1200" b="1" dirty="0" err="1" smtClean="0"/>
+              <a:t>capableOf</a:t>
+            </a:r>
+            <a:endParaRPr lang="en-PH" sz="1200" b="1" dirty="0"/>
+          </a:p>
+        </p:txBody>
+      </p:sp>
+      <p:sp>
+        <p:nvSpPr>
+          <p:cNvPr id="16" name="TextBox 15"/>
+          <p:cNvSpPr txBox="1"/>
+          <p:nvPr/>
+        </p:nvSpPr>
+        <p:spPr>
+          <a:xfrm>
+            <a:off x="4498407" y="2426900"/>
+            <a:ext cx="1631280" cy="276999"/>
+          </a:xfrm>
+          <a:prstGeom prst="rect">
+            <a:avLst/>
+          </a:prstGeom>
+          <a:noFill/>
+        </p:spPr>
+        <p:txBody>
+          <a:bodyPr wrap="none" rtlCol="0">
+            <a:spAutoFit/>
+          </a:bodyPr>
+          <a:lstStyle/>
+          <a:p>
+            <a:r>
+              <a:rPr lang="en-PH" sz="1200" b="1" dirty="0" err="1" smtClean="0"/>
+              <a:t>conceptuallyRelatedTo</a:t>
+            </a:r>
+            <a:endParaRPr lang="en-PH" sz="1200" b="1" dirty="0"/>
+          </a:p>
+        </p:txBody>
+      </p:sp>
+      <p:sp>
+        <p:nvSpPr>
+          <p:cNvPr id="17" name="TextBox 16"/>
+          <p:cNvSpPr txBox="1"/>
+          <p:nvPr/>
+        </p:nvSpPr>
+        <p:spPr>
+          <a:xfrm>
+            <a:off x="4498407" y="3239699"/>
+            <a:ext cx="700192" cy="276999"/>
+          </a:xfrm>
+          <a:prstGeom prst="rect">
+            <a:avLst/>
+          </a:prstGeom>
+          <a:noFill/>
+        </p:spPr>
+        <p:txBody>
+          <a:bodyPr wrap="none" rtlCol="0">
+            <a:spAutoFit/>
+          </a:bodyPr>
+          <a:lstStyle/>
+          <a:p>
+            <a:r>
+              <a:rPr lang="en-PH" sz="1200" b="1" dirty="0" err="1" smtClean="0"/>
+              <a:t>effectOf</a:t>
+            </a:r>
+            <a:endParaRPr lang="en-PH" sz="1200" b="1" dirty="0"/>
+          </a:p>
+        </p:txBody>
+      </p:sp>
+      <p:sp>
+        <p:nvSpPr>
+          <p:cNvPr id="18" name="TextBox 17"/>
+          <p:cNvSpPr txBox="1"/>
+          <p:nvPr/>
+        </p:nvSpPr>
+        <p:spPr>
+          <a:xfrm>
+            <a:off x="4470400" y="4065200"/>
+            <a:ext cx="377026" cy="276999"/>
+          </a:xfrm>
+          <a:prstGeom prst="rect">
+            <a:avLst/>
+          </a:prstGeom>
+          <a:noFill/>
+        </p:spPr>
+        <p:txBody>
+          <a:bodyPr wrap="none" rtlCol="0">
+            <a:spAutoFit/>
+          </a:bodyPr>
+          <a:lstStyle/>
+          <a:p>
+            <a:r>
+              <a:rPr lang="en-PH" sz="1200" b="1" dirty="0" err="1" smtClean="0"/>
+              <a:t>isA</a:t>
+            </a:r>
+            <a:endParaRPr lang="en-PH" sz="1200" b="1" dirty="0"/>
+          </a:p>
+        </p:txBody>
+      </p:sp>
+      <p:sp>
+        <p:nvSpPr>
+          <p:cNvPr id="20" name="TextBox 19"/>
+          <p:cNvSpPr txBox="1"/>
+          <p:nvPr/>
+        </p:nvSpPr>
+        <p:spPr>
+          <a:xfrm>
+            <a:off x="3674682" y="942201"/>
+            <a:ext cx="2573718" cy="276999"/>
+          </a:xfrm>
+          <a:prstGeom prst="rect">
+            <a:avLst/>
+          </a:prstGeom>
+          <a:noFill/>
+        </p:spPr>
+        <p:txBody>
+          <a:bodyPr wrap="none" rtlCol="0">
+            <a:spAutoFit/>
+          </a:bodyPr>
+          <a:lstStyle/>
+          <a:p>
+            <a:r>
+              <a:rPr lang="en-PH" sz="1200" b="1" dirty="0" smtClean="0"/>
+              <a:t>Original Ontology Path for AUTH0026</a:t>
+            </a:r>
+            <a:endParaRPr lang="en-PH" sz="1200" b="1" dirty="0"/>
+          </a:p>
+        </p:txBody>
+      </p:sp>
+      <p:sp>
+        <p:nvSpPr>
+          <p:cNvPr id="21" name="Oval 20"/>
+          <p:cNvSpPr/>
+          <p:nvPr/>
+        </p:nvSpPr>
+        <p:spPr>
+          <a:xfrm>
+            <a:off x="2286000" y="2057400"/>
+            <a:ext cx="1041400" cy="330200"/>
+          </a:xfrm>
+          <a:prstGeom prst="ellipse">
+            <a:avLst/>
+          </a:prstGeom>
+        </p:spPr>
+        <p:style>
+          <a:lnRef idx="2">
+            <a:schemeClr val="accent1">
+              <a:shade val="50000"/>
+            </a:schemeClr>
+          </a:lnRef>
+          <a:fillRef idx="1">
+            <a:schemeClr val="accent1"/>
+          </a:fillRef>
+          <a:effectRef idx="0">
+            <a:schemeClr val="accent1"/>
+          </a:effectRef>
+          <a:fontRef idx="minor">
+            <a:schemeClr val="lt1"/>
+          </a:fontRef>
+        </p:style>
+        <p:txBody>
+          <a:bodyPr rtlCol="0" anchor="ctr"/>
+          <a:lstStyle/>
+          <a:p>
+            <a:pPr algn="ctr"/>
+            <a:r>
+              <a:rPr lang="en-PH" sz="1200" b="1" dirty="0" smtClean="0"/>
+              <a:t>fall</a:t>
+            </a:r>
+            <a:endParaRPr lang="en-PH" sz="1200" b="1" dirty="0"/>
+          </a:p>
+        </p:txBody>
+      </p:sp>
+      <p:sp>
+        <p:nvSpPr>
+          <p:cNvPr id="22" name="Oval 21"/>
+          <p:cNvSpPr/>
+          <p:nvPr/>
+        </p:nvSpPr>
+        <p:spPr>
+          <a:xfrm>
+            <a:off x="990600" y="2057400"/>
+            <a:ext cx="1041400" cy="330200"/>
+          </a:xfrm>
+          <a:prstGeom prst="ellipse">
+            <a:avLst/>
+          </a:prstGeom>
+        </p:spPr>
+        <p:style>
+          <a:lnRef idx="2">
+            <a:schemeClr val="accent1">
+              <a:shade val="50000"/>
+            </a:schemeClr>
+          </a:lnRef>
+          <a:fillRef idx="1">
+            <a:schemeClr val="accent1"/>
+          </a:fillRef>
+          <a:effectRef idx="0">
+            <a:schemeClr val="accent1"/>
+          </a:effectRef>
+          <a:fontRef idx="minor">
+            <a:schemeClr val="lt1"/>
+          </a:fontRef>
+        </p:style>
+        <p:txBody>
+          <a:bodyPr rtlCol="0" anchor="ctr"/>
+          <a:lstStyle/>
+          <a:p>
+            <a:pPr algn="ctr"/>
+            <a:r>
+              <a:rPr lang="en-PH" sz="1200" b="1" dirty="0" smtClean="0"/>
+              <a:t>drop</a:t>
+            </a:r>
+            <a:endParaRPr lang="en-PH" sz="1200" b="1" dirty="0"/>
+          </a:p>
+        </p:txBody>
+      </p:sp>
+      <p:cxnSp>
+        <p:nvCxnSpPr>
+          <p:cNvPr id="23" name="Straight Connector 22"/>
+          <p:cNvCxnSpPr>
+            <a:stCxn id="2" idx="4"/>
+            <a:endCxn id="21" idx="0"/>
+          </p:cNvCxnSpPr>
+          <p:nvPr/>
+        </p:nvCxnSpPr>
+        <p:spPr>
+          <a:xfrm flipH="1">
+            <a:off x="2806700" y="1701800"/>
+            <a:ext cx="1663700" cy="355600"/>
+          </a:xfrm>
+          <a:prstGeom prst="line">
+            <a:avLst/>
+          </a:prstGeom>
+          <a:ln w="19050"/>
+        </p:spPr>
+        <p:style>
+          <a:lnRef idx="1">
+            <a:schemeClr val="accent1"/>
+          </a:lnRef>
+          <a:fillRef idx="0">
+            <a:schemeClr val="accent1"/>
+          </a:fillRef>
+          <a:effectRef idx="0">
+            <a:schemeClr val="accent1"/>
+          </a:effectRef>
+          <a:fontRef idx="minor">
+            <a:schemeClr val="tx1"/>
+          </a:fontRef>
+        </p:style>
+      </p:cxnSp>
+      <p:cxnSp>
+        <p:nvCxnSpPr>
+          <p:cNvPr id="26" name="Straight Connector 25"/>
+          <p:cNvCxnSpPr>
+            <a:stCxn id="2" idx="4"/>
+            <a:endCxn id="22" idx="0"/>
+          </p:cNvCxnSpPr>
+          <p:nvPr/>
+        </p:nvCxnSpPr>
+        <p:spPr>
+          <a:xfrm flipH="1">
+            <a:off x="1511300" y="1701800"/>
+            <a:ext cx="2959100" cy="355600"/>
+          </a:xfrm>
+          <a:prstGeom prst="line">
+            <a:avLst/>
+          </a:prstGeom>
+          <a:ln w="19050"/>
+        </p:spPr>
+        <p:style>
+          <a:lnRef idx="1">
+            <a:schemeClr val="accent1"/>
+          </a:lnRef>
+          <a:fillRef idx="0">
+            <a:schemeClr val="accent1"/>
+          </a:fillRef>
+          <a:effectRef idx="0">
+            <a:schemeClr val="accent1"/>
+          </a:effectRef>
+          <a:fontRef idx="minor">
+            <a:schemeClr val="tx1"/>
+          </a:fontRef>
+        </p:style>
+      </p:cxnSp>
+      <p:cxnSp>
+        <p:nvCxnSpPr>
+          <p:cNvPr id="29" name="Straight Connector 28"/>
+          <p:cNvCxnSpPr>
+            <a:stCxn id="21" idx="4"/>
+            <a:endCxn id="4" idx="2"/>
+          </p:cNvCxnSpPr>
+          <p:nvPr/>
+        </p:nvCxnSpPr>
+        <p:spPr>
+          <a:xfrm>
+            <a:off x="2806700" y="2387600"/>
+            <a:ext cx="1143000" cy="584200"/>
+          </a:xfrm>
+          <a:prstGeom prst="line">
+            <a:avLst/>
+          </a:prstGeom>
+          <a:ln w="19050"/>
+        </p:spPr>
+        <p:style>
+          <a:lnRef idx="1">
+            <a:schemeClr val="accent1"/>
+          </a:lnRef>
+          <a:fillRef idx="0">
+            <a:schemeClr val="accent1"/>
+          </a:fillRef>
+          <a:effectRef idx="0">
+            <a:schemeClr val="accent1"/>
+          </a:effectRef>
+          <a:fontRef idx="minor">
+            <a:schemeClr val="tx1"/>
+          </a:fontRef>
+        </p:style>
+      </p:cxnSp>
+      <p:cxnSp>
+        <p:nvCxnSpPr>
+          <p:cNvPr id="32" name="Straight Connector 31"/>
+          <p:cNvCxnSpPr>
+            <a:stCxn id="22" idx="4"/>
+            <a:endCxn id="4" idx="2"/>
+          </p:cNvCxnSpPr>
+          <p:nvPr/>
+        </p:nvCxnSpPr>
+        <p:spPr>
+          <a:xfrm>
+            <a:off x="1511300" y="2387600"/>
+            <a:ext cx="2438400" cy="584200"/>
+          </a:xfrm>
+          <a:prstGeom prst="line">
+            <a:avLst/>
+          </a:prstGeom>
+          <a:ln w="19050"/>
+        </p:spPr>
+        <p:style>
+          <a:lnRef idx="1">
+            <a:schemeClr val="accent1"/>
+          </a:lnRef>
+          <a:fillRef idx="0">
+            <a:schemeClr val="accent1"/>
+          </a:fillRef>
+          <a:effectRef idx="0">
+            <a:schemeClr val="accent1"/>
+          </a:effectRef>
+          <a:fontRef idx="minor">
+            <a:schemeClr val="tx1"/>
+          </a:fontRef>
+        </p:style>
+      </p:cxnSp>
+      <p:sp>
+        <p:nvSpPr>
+          <p:cNvPr id="35" name="Oval 34"/>
+          <p:cNvSpPr/>
+          <p:nvPr/>
+        </p:nvSpPr>
+        <p:spPr>
+          <a:xfrm>
+            <a:off x="2286000" y="3556000"/>
+            <a:ext cx="1041400" cy="457200"/>
+          </a:xfrm>
+          <a:prstGeom prst="ellipse">
+            <a:avLst/>
+          </a:prstGeom>
+        </p:spPr>
+        <p:style>
+          <a:lnRef idx="2">
+            <a:schemeClr val="accent1">
+              <a:shade val="50000"/>
+            </a:schemeClr>
+          </a:lnRef>
+          <a:fillRef idx="1">
+            <a:schemeClr val="accent1"/>
+          </a:fillRef>
+          <a:effectRef idx="0">
+            <a:schemeClr val="accent1"/>
+          </a:effectRef>
+          <a:fontRef idx="minor">
+            <a:schemeClr val="lt1"/>
+          </a:fontRef>
+        </p:style>
+        <p:txBody>
+          <a:bodyPr rtlCol="0" anchor="ctr"/>
+          <a:lstStyle/>
+          <a:p>
+            <a:pPr algn="ctr"/>
+            <a:r>
+              <a:rPr lang="en-PH" sz="1200" b="1" dirty="0"/>
+              <a:t>b</a:t>
+            </a:r>
+            <a:r>
+              <a:rPr lang="en-PH" sz="1200" b="1" dirty="0" smtClean="0"/>
+              <a:t>e worried</a:t>
+            </a:r>
+            <a:endParaRPr lang="en-PH" sz="1200" b="1" dirty="0"/>
+          </a:p>
+        </p:txBody>
+      </p:sp>
+      <p:sp>
+        <p:nvSpPr>
+          <p:cNvPr id="36" name="Oval 35"/>
+          <p:cNvSpPr/>
+          <p:nvPr/>
+        </p:nvSpPr>
+        <p:spPr>
+          <a:xfrm>
+            <a:off x="990600" y="3556000"/>
+            <a:ext cx="1041400" cy="457200"/>
+          </a:xfrm>
+          <a:prstGeom prst="ellipse">
+            <a:avLst/>
+          </a:prstGeom>
+        </p:spPr>
+        <p:style>
+          <a:lnRef idx="2">
+            <a:schemeClr val="accent1">
+              <a:shade val="50000"/>
+            </a:schemeClr>
+          </a:lnRef>
+          <a:fillRef idx="1">
+            <a:schemeClr val="accent1"/>
+          </a:fillRef>
+          <a:effectRef idx="0">
+            <a:schemeClr val="accent1"/>
+          </a:effectRef>
+          <a:fontRef idx="minor">
+            <a:schemeClr val="lt1"/>
+          </a:fontRef>
+        </p:style>
+        <p:txBody>
+          <a:bodyPr rtlCol="0" anchor="ctr"/>
+          <a:lstStyle/>
+          <a:p>
+            <a:pPr algn="ctr"/>
+            <a:r>
+              <a:rPr lang="en-PH" sz="1200" b="1" dirty="0"/>
+              <a:t>b</a:t>
+            </a:r>
+            <a:r>
+              <a:rPr lang="en-PH" sz="1200" b="1" dirty="0" smtClean="0"/>
+              <a:t>e shocked</a:t>
+            </a:r>
+            <a:endParaRPr lang="en-PH" sz="1200" b="1" dirty="0"/>
+          </a:p>
+        </p:txBody>
+      </p:sp>
+      <p:cxnSp>
+        <p:nvCxnSpPr>
+          <p:cNvPr id="37" name="Straight Connector 36"/>
+          <p:cNvCxnSpPr>
+            <a:stCxn id="36" idx="4"/>
+            <a:endCxn id="6" idx="2"/>
+          </p:cNvCxnSpPr>
+          <p:nvPr/>
+        </p:nvCxnSpPr>
+        <p:spPr>
+          <a:xfrm>
+            <a:off x="1511300" y="4013200"/>
+            <a:ext cx="2438400" cy="546100"/>
+          </a:xfrm>
+          <a:prstGeom prst="line">
+            <a:avLst/>
+          </a:prstGeom>
+          <a:ln w="19050"/>
+        </p:spPr>
+        <p:style>
+          <a:lnRef idx="1">
+            <a:schemeClr val="accent1"/>
+          </a:lnRef>
+          <a:fillRef idx="0">
+            <a:schemeClr val="accent1"/>
+          </a:fillRef>
+          <a:effectRef idx="0">
+            <a:schemeClr val="accent1"/>
+          </a:effectRef>
+          <a:fontRef idx="minor">
+            <a:schemeClr val="tx1"/>
+          </a:fontRef>
+        </p:style>
+      </p:cxnSp>
+      <p:cxnSp>
+        <p:nvCxnSpPr>
+          <p:cNvPr id="40" name="Straight Connector 39"/>
+          <p:cNvCxnSpPr>
+            <a:stCxn id="35" idx="4"/>
+            <a:endCxn id="6" idx="2"/>
+          </p:cNvCxnSpPr>
+          <p:nvPr/>
+        </p:nvCxnSpPr>
+        <p:spPr>
+          <a:xfrm>
+            <a:off x="2806700" y="4013200"/>
+            <a:ext cx="1143000" cy="546100"/>
+          </a:xfrm>
+          <a:prstGeom prst="line">
+            <a:avLst/>
+          </a:prstGeom>
+          <a:ln w="19050"/>
+        </p:spPr>
+        <p:style>
+          <a:lnRef idx="1">
+            <a:schemeClr val="accent1"/>
+          </a:lnRef>
+          <a:fillRef idx="0">
+            <a:schemeClr val="accent1"/>
+          </a:fillRef>
+          <a:effectRef idx="0">
+            <a:schemeClr val="accent1"/>
+          </a:effectRef>
+          <a:fontRef idx="minor">
+            <a:schemeClr val="tx1"/>
+          </a:fontRef>
+        </p:style>
+      </p:cxnSp>
+      <p:cxnSp>
+        <p:nvCxnSpPr>
+          <p:cNvPr id="43" name="Straight Connector 42"/>
+          <p:cNvCxnSpPr>
+            <a:stCxn id="35" idx="0"/>
+            <a:endCxn id="4" idx="2"/>
+          </p:cNvCxnSpPr>
+          <p:nvPr/>
+        </p:nvCxnSpPr>
+        <p:spPr>
+          <a:xfrm flipV="1">
+            <a:off x="2806700" y="2971800"/>
+            <a:ext cx="1143000" cy="584200"/>
+          </a:xfrm>
+          <a:prstGeom prst="line">
+            <a:avLst/>
+          </a:prstGeom>
+          <a:ln w="19050"/>
+        </p:spPr>
+        <p:style>
+          <a:lnRef idx="1">
+            <a:schemeClr val="accent1"/>
+          </a:lnRef>
+          <a:fillRef idx="0">
+            <a:schemeClr val="accent1"/>
+          </a:fillRef>
+          <a:effectRef idx="0">
+            <a:schemeClr val="accent1"/>
+          </a:effectRef>
+          <a:fontRef idx="minor">
+            <a:schemeClr val="tx1"/>
+          </a:fontRef>
+        </p:style>
+      </p:cxnSp>
+      <p:cxnSp>
+        <p:nvCxnSpPr>
+          <p:cNvPr id="46" name="Straight Connector 45"/>
+          <p:cNvCxnSpPr>
+            <a:stCxn id="36" idx="0"/>
+            <a:endCxn id="4" idx="2"/>
+          </p:cNvCxnSpPr>
+          <p:nvPr/>
+        </p:nvCxnSpPr>
+        <p:spPr>
+          <a:xfrm flipV="1">
+            <a:off x="1511300" y="2971800"/>
+            <a:ext cx="2438400" cy="584200"/>
+          </a:xfrm>
+          <a:prstGeom prst="line">
+            <a:avLst/>
+          </a:prstGeom>
+          <a:ln w="19050"/>
+        </p:spPr>
+        <p:style>
+          <a:lnRef idx="1">
+            <a:schemeClr val="accent1"/>
+          </a:lnRef>
+          <a:fillRef idx="0">
+            <a:schemeClr val="accent1"/>
+          </a:fillRef>
+          <a:effectRef idx="0">
+            <a:schemeClr val="accent1"/>
+          </a:effectRef>
+          <a:fontRef idx="minor">
+            <a:schemeClr val="tx1"/>
+          </a:fontRef>
+        </p:style>
+      </p:cxnSp>
+      <p:sp>
+        <p:nvSpPr>
+          <p:cNvPr id="49" name="TextBox 48"/>
+          <p:cNvSpPr txBox="1"/>
+          <p:nvPr/>
+        </p:nvSpPr>
+        <p:spPr>
+          <a:xfrm>
+            <a:off x="1060450" y="1602601"/>
+            <a:ext cx="2214452" cy="276999"/>
+          </a:xfrm>
+          <a:prstGeom prst="rect">
+            <a:avLst/>
+          </a:prstGeom>
+          <a:noFill/>
+        </p:spPr>
+        <p:txBody>
+          <a:bodyPr wrap="none" rtlCol="0">
+            <a:spAutoFit/>
+          </a:bodyPr>
+          <a:lstStyle/>
+          <a:p>
+            <a:r>
+              <a:rPr lang="en-PH" sz="1200" b="1" dirty="0" smtClean="0"/>
+              <a:t>Alternative Paths for AUTH0026</a:t>
+            </a:r>
+            <a:endParaRPr lang="en-PH" sz="1200" b="1" dirty="0"/>
+          </a:p>
+        </p:txBody>
+      </p:sp>
+    </p:spTree>
+    <p:extLst>
+      <p:ext uri="{BB962C8B-B14F-4D97-AF65-F5344CB8AC3E}">
+        <p14:creationId xmlns:p14="http://schemas.microsoft.com/office/powerpoint/2010/main" val="814809384"/>
+      </p:ext>
+    </p:extLst>
+  </p:cSld>
+  <p:clrMapOvr>
+    <a:masterClrMapping/>
+  </p:clrMapOvr>
+  <p:timing>
+    <p:tnLst>
+      <p:par>
+        <p:cTn id="1" dur="indefinite" restart="never" nodeType="tmRoot"/>
+      </p:par>
+    </p:tnLst>
+  </p:timing>
+</p:sld>
+</file>
+
+<file path=ppt/slides/slide3.xml><?xml version="1.0" encoding="utf-8"?>
+<p:sld xmlns:a="http://schemas.openxmlformats.org/drawingml/2006/main" xmlns:r="http://schemas.openxmlformats.org/officeDocument/2006/relationships" xmlns:p="http://schemas.openxmlformats.org/presentationml/2006/main">
+  <p:cSld>
+    <p:spTree>
+      <p:nvGrpSpPr>
+        <p:cNvPr id="1" name=""/>
+        <p:cNvGrpSpPr/>
+        <p:nvPr/>
+      </p:nvGrpSpPr>
+      <p:grpSpPr>
+        <a:xfrm>
+          <a:off x="0" y="0"/>
+          <a:ext cx="0" cy="0"/>
+          <a:chOff x="0" y="0"/>
+          <a:chExt cx="0" cy="0"/>
+        </a:xfrm>
+      </p:grpSpPr>
+      <p:sp>
+        <p:nvSpPr>
+          <p:cNvPr id="2" name="Rectangle 1"/>
+          <p:cNvSpPr/>
+          <p:nvPr/>
+        </p:nvSpPr>
+        <p:spPr>
+          <a:xfrm>
+            <a:off x="685801" y="2971800"/>
+            <a:ext cx="2999666" cy="1231899"/>
+          </a:xfrm>
+          <a:prstGeom prst="rect">
+            <a:avLst/>
+          </a:prstGeom>
+          <a:ln w="12700"/>
+        </p:spPr>
+        <p:style>
+          <a:lnRef idx="2">
+            <a:schemeClr val="dk1"/>
+          </a:lnRef>
+          <a:fillRef idx="1">
+            <a:schemeClr val="lt1"/>
+          </a:fillRef>
+          <a:effectRef idx="0">
+            <a:schemeClr val="dk1"/>
+          </a:effectRef>
+          <a:fontRef idx="minor">
+            <a:schemeClr val="dk1"/>
+          </a:fontRef>
+        </p:style>
+        <p:txBody>
+          <a:bodyPr rtlCol="0" anchor="ctr"/>
+          <a:lstStyle/>
+          <a:p>
+            <a:pPr algn="ctr"/>
+            <a:endParaRPr lang="fil-PH" dirty="0"/>
+          </a:p>
+        </p:txBody>
+      </p:sp>
+      <p:sp>
+        <p:nvSpPr>
+          <p:cNvPr id="3" name="Rectangle 2"/>
+          <p:cNvSpPr/>
+          <p:nvPr/>
+        </p:nvSpPr>
+        <p:spPr>
+          <a:xfrm>
+            <a:off x="3780441" y="1219200"/>
+            <a:ext cx="2362200" cy="2984499"/>
+          </a:xfrm>
+          <a:prstGeom prst="rect">
+            <a:avLst/>
+          </a:prstGeom>
+          <a:ln w="12700"/>
+        </p:spPr>
+        <p:style>
+          <a:lnRef idx="2">
+            <a:schemeClr val="dk1"/>
+          </a:lnRef>
+          <a:fillRef idx="1">
+            <a:schemeClr val="lt1"/>
+          </a:fillRef>
+          <a:effectRef idx="0">
+            <a:schemeClr val="dk1"/>
+          </a:effectRef>
+          <a:fontRef idx="minor">
+            <a:schemeClr val="dk1"/>
+          </a:fontRef>
+        </p:style>
+        <p:txBody>
+          <a:bodyPr rtlCol="0" anchor="ctr"/>
+          <a:lstStyle/>
+          <a:p>
+            <a:pPr algn="ctr"/>
+            <a:endParaRPr lang="fil-PH" dirty="0"/>
+          </a:p>
+        </p:txBody>
+      </p:sp>
+      <p:sp>
+        <p:nvSpPr>
+          <p:cNvPr id="4" name="Oval 3"/>
+          <p:cNvSpPr/>
+          <p:nvPr/>
+        </p:nvSpPr>
+        <p:spPr>
+          <a:xfrm>
+            <a:off x="4333308" y="1361301"/>
+            <a:ext cx="1041400" cy="330200"/>
+          </a:xfrm>
+          <a:prstGeom prst="ellipse">
+            <a:avLst/>
+          </a:prstGeom>
+        </p:spPr>
+        <p:style>
+          <a:lnRef idx="2">
+            <a:schemeClr val="accent1">
+              <a:shade val="50000"/>
+            </a:schemeClr>
+          </a:lnRef>
+          <a:fillRef idx="1">
+            <a:schemeClr val="accent1"/>
+          </a:fillRef>
+          <a:effectRef idx="0">
+            <a:schemeClr val="accent1"/>
+          </a:effectRef>
+          <a:fontRef idx="minor">
+            <a:schemeClr val="lt1"/>
+          </a:fontRef>
+        </p:style>
+        <p:txBody>
+          <a:bodyPr rtlCol="0" anchor="ctr"/>
+          <a:lstStyle/>
+          <a:p>
+            <a:pPr algn="ctr"/>
+            <a:r>
+              <a:rPr lang="en-PH" sz="1200" b="1" dirty="0"/>
+              <a:t>b</a:t>
+            </a:r>
+            <a:r>
+              <a:rPr lang="en-PH" sz="1200" b="1" dirty="0" smtClean="0"/>
+              <a:t>e brave</a:t>
+            </a:r>
+            <a:endParaRPr lang="en-PH" sz="1200" b="1" dirty="0"/>
+          </a:p>
+        </p:txBody>
+      </p:sp>
+      <p:sp>
+        <p:nvSpPr>
+          <p:cNvPr id="5" name="Oval 4"/>
+          <p:cNvSpPr/>
+          <p:nvPr/>
+        </p:nvSpPr>
+        <p:spPr>
+          <a:xfrm>
+            <a:off x="3971357" y="2037750"/>
+            <a:ext cx="1765301" cy="369500"/>
+          </a:xfrm>
+          <a:prstGeom prst="ellipse">
+            <a:avLst/>
+          </a:prstGeom>
+        </p:spPr>
+        <p:style>
+          <a:lnRef idx="2">
+            <a:schemeClr val="accent1">
+              <a:shade val="50000"/>
+            </a:schemeClr>
+          </a:lnRef>
+          <a:fillRef idx="1">
+            <a:schemeClr val="accent1"/>
+          </a:fillRef>
+          <a:effectRef idx="0">
+            <a:schemeClr val="accent1"/>
+          </a:effectRef>
+          <a:fontRef idx="minor">
+            <a:schemeClr val="lt1"/>
+          </a:fontRef>
+        </p:style>
+        <p:txBody>
+          <a:bodyPr rtlCol="0" anchor="ctr"/>
+          <a:lstStyle/>
+          <a:p>
+            <a:pPr algn="ctr"/>
+            <a:r>
+              <a:rPr lang="en-PH" sz="1200" b="1" dirty="0" smtClean="0"/>
+              <a:t>play with others</a:t>
+            </a:r>
+            <a:endParaRPr lang="en-PH" sz="1200" b="1" dirty="0"/>
+          </a:p>
+        </p:txBody>
+      </p:sp>
+      <p:sp>
+        <p:nvSpPr>
+          <p:cNvPr id="6" name="Oval 5"/>
+          <p:cNvSpPr/>
+          <p:nvPr/>
+        </p:nvSpPr>
+        <p:spPr>
+          <a:xfrm>
+            <a:off x="4333308" y="2743200"/>
+            <a:ext cx="1041400" cy="457200"/>
+          </a:xfrm>
+          <a:prstGeom prst="ellipse">
+            <a:avLst/>
+          </a:prstGeom>
+        </p:spPr>
+        <p:style>
+          <a:lnRef idx="2">
+            <a:schemeClr val="accent1">
+              <a:shade val="50000"/>
+            </a:schemeClr>
+          </a:lnRef>
+          <a:fillRef idx="1">
+            <a:schemeClr val="accent1"/>
+          </a:fillRef>
+          <a:effectRef idx="0">
+            <a:schemeClr val="accent1"/>
+          </a:effectRef>
+          <a:fontRef idx="minor">
+            <a:schemeClr val="lt1"/>
+          </a:fontRef>
+        </p:style>
+        <p:txBody>
+          <a:bodyPr rtlCol="0" anchor="ctr"/>
+          <a:lstStyle/>
+          <a:p>
+            <a:pPr algn="ctr"/>
+            <a:r>
+              <a:rPr lang="en-PH" sz="1200" b="1" dirty="0" smtClean="0"/>
+              <a:t>make friends</a:t>
+            </a:r>
+            <a:endParaRPr lang="en-PH" sz="1200" b="1" dirty="0"/>
+          </a:p>
+        </p:txBody>
+      </p:sp>
+      <p:sp>
+        <p:nvSpPr>
+          <p:cNvPr id="7" name="Oval 6"/>
+          <p:cNvSpPr/>
+          <p:nvPr/>
+        </p:nvSpPr>
+        <p:spPr>
+          <a:xfrm>
+            <a:off x="4267200" y="3556000"/>
+            <a:ext cx="1178944" cy="457200"/>
+          </a:xfrm>
+          <a:prstGeom prst="ellipse">
+            <a:avLst/>
+          </a:prstGeom>
+        </p:spPr>
+        <p:style>
+          <a:lnRef idx="2">
+            <a:schemeClr val="accent1">
+              <a:shade val="50000"/>
+            </a:schemeClr>
+          </a:lnRef>
+          <a:fillRef idx="1">
+            <a:schemeClr val="accent1"/>
+          </a:fillRef>
+          <a:effectRef idx="0">
+            <a:schemeClr val="accent1"/>
+          </a:effectRef>
+          <a:fontRef idx="minor">
+            <a:schemeClr val="lt1"/>
+          </a:fontRef>
+        </p:style>
+        <p:txBody>
+          <a:bodyPr rtlCol="0" anchor="ctr"/>
+          <a:lstStyle/>
+          <a:p>
+            <a:pPr algn="ctr"/>
+            <a:r>
+              <a:rPr lang="en-PH" sz="1200" b="1" dirty="0" smtClean="0"/>
+              <a:t>friendship</a:t>
+            </a:r>
+            <a:endParaRPr lang="en-PH" sz="1200" b="1" dirty="0"/>
+          </a:p>
+        </p:txBody>
+      </p:sp>
+      <p:cxnSp>
+        <p:nvCxnSpPr>
+          <p:cNvPr id="9" name="Straight Connector 8"/>
+          <p:cNvCxnSpPr>
+            <a:stCxn id="4" idx="4"/>
+            <a:endCxn id="5" idx="0"/>
+          </p:cNvCxnSpPr>
+          <p:nvPr/>
+        </p:nvCxnSpPr>
+        <p:spPr>
+          <a:xfrm>
+            <a:off x="4854008" y="1691501"/>
+            <a:ext cx="0" cy="346249"/>
+          </a:xfrm>
+          <a:prstGeom prst="line">
+            <a:avLst/>
+          </a:prstGeom>
+          <a:ln w="19050"/>
+        </p:spPr>
+        <p:style>
+          <a:lnRef idx="1">
+            <a:schemeClr val="accent1"/>
+          </a:lnRef>
+          <a:fillRef idx="0">
+            <a:schemeClr val="accent1"/>
+          </a:fillRef>
+          <a:effectRef idx="0">
+            <a:schemeClr val="accent1"/>
+          </a:effectRef>
+          <a:fontRef idx="minor">
+            <a:schemeClr val="tx1"/>
+          </a:fontRef>
+        </p:style>
+      </p:cxnSp>
+      <p:cxnSp>
+        <p:nvCxnSpPr>
+          <p:cNvPr id="10" name="Straight Connector 9"/>
+          <p:cNvCxnSpPr>
+            <a:stCxn id="5" idx="4"/>
+            <a:endCxn id="6" idx="0"/>
+          </p:cNvCxnSpPr>
+          <p:nvPr/>
+        </p:nvCxnSpPr>
+        <p:spPr>
+          <a:xfrm>
+            <a:off x="4854008" y="2407250"/>
+            <a:ext cx="0" cy="335950"/>
+          </a:xfrm>
+          <a:prstGeom prst="line">
+            <a:avLst/>
+          </a:prstGeom>
+          <a:ln w="19050"/>
+        </p:spPr>
+        <p:style>
+          <a:lnRef idx="1">
+            <a:schemeClr val="accent1"/>
+          </a:lnRef>
+          <a:fillRef idx="0">
+            <a:schemeClr val="accent1"/>
+          </a:fillRef>
+          <a:effectRef idx="0">
+            <a:schemeClr val="accent1"/>
+          </a:effectRef>
+          <a:fontRef idx="minor">
+            <a:schemeClr val="tx1"/>
+          </a:fontRef>
+        </p:style>
+      </p:cxnSp>
+      <p:cxnSp>
+        <p:nvCxnSpPr>
+          <p:cNvPr id="11" name="Straight Connector 10"/>
+          <p:cNvCxnSpPr>
+            <a:stCxn id="6" idx="4"/>
+            <a:endCxn id="7" idx="0"/>
+          </p:cNvCxnSpPr>
+          <p:nvPr/>
+        </p:nvCxnSpPr>
+        <p:spPr>
+          <a:xfrm>
+            <a:off x="4854008" y="3200400"/>
+            <a:ext cx="2664" cy="355600"/>
+          </a:xfrm>
+          <a:prstGeom prst="line">
+            <a:avLst/>
+          </a:prstGeom>
+          <a:ln w="19050"/>
+        </p:spPr>
+        <p:style>
+          <a:lnRef idx="1">
+            <a:schemeClr val="accent1"/>
+          </a:lnRef>
+          <a:fillRef idx="0">
+            <a:schemeClr val="accent1"/>
+          </a:fillRef>
+          <a:effectRef idx="0">
+            <a:schemeClr val="accent1"/>
+          </a:effectRef>
+          <a:fontRef idx="minor">
+            <a:schemeClr val="tx1"/>
+          </a:fontRef>
+        </p:style>
+      </p:cxnSp>
+      <p:sp>
+        <p:nvSpPr>
+          <p:cNvPr id="13" name="TextBox 12"/>
+          <p:cNvSpPr txBox="1"/>
+          <p:nvPr/>
+        </p:nvSpPr>
+        <p:spPr>
+          <a:xfrm>
+            <a:off x="4854007" y="1726125"/>
+            <a:ext cx="988860" cy="276999"/>
+          </a:xfrm>
+          <a:prstGeom prst="rect">
+            <a:avLst/>
+          </a:prstGeom>
+          <a:noFill/>
+        </p:spPr>
+        <p:txBody>
+          <a:bodyPr wrap="none" rtlCol="0">
+            <a:spAutoFit/>
+          </a:bodyPr>
+          <a:lstStyle/>
+          <a:p>
+            <a:r>
+              <a:rPr lang="en-PH" sz="1200" b="1" dirty="0" err="1" smtClean="0"/>
+              <a:t>desiresEvent</a:t>
+            </a:r>
+            <a:endParaRPr lang="en-PH" sz="1200" b="1" dirty="0"/>
+          </a:p>
+        </p:txBody>
+      </p:sp>
+      <p:sp>
+        <p:nvSpPr>
+          <p:cNvPr id="14" name="TextBox 13"/>
+          <p:cNvSpPr txBox="1"/>
+          <p:nvPr/>
+        </p:nvSpPr>
+        <p:spPr>
+          <a:xfrm>
+            <a:off x="4882015" y="2426900"/>
+            <a:ext cx="832985" cy="276999"/>
+          </a:xfrm>
+          <a:prstGeom prst="rect">
+            <a:avLst/>
+          </a:prstGeom>
+          <a:noFill/>
+        </p:spPr>
+        <p:txBody>
+          <a:bodyPr wrap="none" rtlCol="0">
+            <a:spAutoFit/>
+          </a:bodyPr>
+          <a:lstStyle/>
+          <a:p>
+            <a:r>
+              <a:rPr lang="en-PH" sz="1200" b="1" dirty="0" err="1" smtClean="0"/>
+              <a:t>capableOf</a:t>
+            </a:r>
+            <a:endParaRPr lang="en-PH" sz="1200" b="1" dirty="0"/>
+          </a:p>
+        </p:txBody>
+      </p:sp>
+      <p:sp>
+        <p:nvSpPr>
+          <p:cNvPr id="15" name="TextBox 14"/>
+          <p:cNvSpPr txBox="1"/>
+          <p:nvPr/>
+        </p:nvSpPr>
+        <p:spPr>
+          <a:xfrm>
+            <a:off x="4882015" y="3239699"/>
+            <a:ext cx="1128258" cy="276999"/>
+          </a:xfrm>
+          <a:prstGeom prst="rect">
+            <a:avLst/>
+          </a:prstGeom>
+          <a:noFill/>
+        </p:spPr>
+        <p:txBody>
+          <a:bodyPr wrap="none" rtlCol="0">
+            <a:spAutoFit/>
+          </a:bodyPr>
+          <a:lstStyle/>
+          <a:p>
+            <a:r>
+              <a:rPr lang="en-PH" sz="1200" b="1" dirty="0" err="1" smtClean="0"/>
+              <a:t>effectOfIsState</a:t>
+            </a:r>
+            <a:endParaRPr lang="en-PH" sz="1200" b="1" dirty="0"/>
+          </a:p>
+        </p:txBody>
+      </p:sp>
+      <p:sp>
+        <p:nvSpPr>
+          <p:cNvPr id="17" name="TextBox 16"/>
+          <p:cNvSpPr txBox="1"/>
+          <p:nvPr/>
+        </p:nvSpPr>
+        <p:spPr>
+          <a:xfrm>
+            <a:off x="3674682" y="942201"/>
+            <a:ext cx="2573718" cy="276999"/>
+          </a:xfrm>
+          <a:prstGeom prst="rect">
+            <a:avLst/>
+          </a:prstGeom>
+          <a:noFill/>
+        </p:spPr>
+        <p:txBody>
+          <a:bodyPr wrap="none" rtlCol="0">
+            <a:spAutoFit/>
+          </a:bodyPr>
+          <a:lstStyle/>
+          <a:p>
+            <a:r>
+              <a:rPr lang="en-PH" sz="1200" b="1" dirty="0" smtClean="0"/>
+              <a:t>Original Ontology Path for AUTH0056</a:t>
+            </a:r>
+            <a:endParaRPr lang="en-PH" sz="1200" b="1" dirty="0"/>
+          </a:p>
+        </p:txBody>
+      </p:sp>
+      <p:sp>
+        <p:nvSpPr>
+          <p:cNvPr id="24" name="Oval 23"/>
+          <p:cNvSpPr/>
+          <p:nvPr/>
+        </p:nvSpPr>
+        <p:spPr>
+          <a:xfrm>
+            <a:off x="2387600" y="3556000"/>
+            <a:ext cx="1198452" cy="457200"/>
+          </a:xfrm>
+          <a:prstGeom prst="ellipse">
+            <a:avLst/>
+          </a:prstGeom>
+        </p:spPr>
+        <p:style>
+          <a:lnRef idx="2">
+            <a:schemeClr val="accent1">
+              <a:shade val="50000"/>
+            </a:schemeClr>
+          </a:lnRef>
+          <a:fillRef idx="1">
+            <a:schemeClr val="accent1"/>
+          </a:fillRef>
+          <a:effectRef idx="0">
+            <a:schemeClr val="accent1"/>
+          </a:effectRef>
+          <a:fontRef idx="minor">
+            <a:schemeClr val="lt1"/>
+          </a:fontRef>
+        </p:style>
+        <p:txBody>
+          <a:bodyPr rtlCol="0" anchor="ctr"/>
+          <a:lstStyle/>
+          <a:p>
+            <a:pPr algn="ctr"/>
+            <a:r>
+              <a:rPr lang="en-PH" sz="1200" b="1" dirty="0" smtClean="0"/>
+              <a:t>closeness</a:t>
+            </a:r>
+            <a:endParaRPr lang="en-PH" sz="1200" b="1" dirty="0"/>
+          </a:p>
+        </p:txBody>
+      </p:sp>
+      <p:sp>
+        <p:nvSpPr>
+          <p:cNvPr id="25" name="Oval 24"/>
+          <p:cNvSpPr/>
+          <p:nvPr/>
+        </p:nvSpPr>
+        <p:spPr>
+          <a:xfrm>
+            <a:off x="800100" y="3556000"/>
+            <a:ext cx="1435100" cy="457200"/>
+          </a:xfrm>
+          <a:prstGeom prst="ellipse">
+            <a:avLst/>
+          </a:prstGeom>
+        </p:spPr>
+        <p:style>
+          <a:lnRef idx="2">
+            <a:schemeClr val="accent1">
+              <a:shade val="50000"/>
+            </a:schemeClr>
+          </a:lnRef>
+          <a:fillRef idx="1">
+            <a:schemeClr val="accent1"/>
+          </a:fillRef>
+          <a:effectRef idx="0">
+            <a:schemeClr val="accent1"/>
+          </a:effectRef>
+          <a:fontRef idx="minor">
+            <a:schemeClr val="lt1"/>
+          </a:fontRef>
+        </p:style>
+        <p:txBody>
+          <a:bodyPr rtlCol="0" anchor="ctr"/>
+          <a:lstStyle/>
+          <a:p>
+            <a:pPr algn="ctr"/>
+            <a:r>
+              <a:rPr lang="en-PH" sz="1200" b="1" dirty="0" smtClean="0"/>
+              <a:t>relationship</a:t>
+            </a:r>
+            <a:endParaRPr lang="en-PH" sz="1200" b="1" dirty="0"/>
+          </a:p>
+        </p:txBody>
+      </p:sp>
+      <p:cxnSp>
+        <p:nvCxnSpPr>
+          <p:cNvPr id="28" name="Straight Connector 27"/>
+          <p:cNvCxnSpPr>
+            <a:stCxn id="24" idx="0"/>
+            <a:endCxn id="6" idx="2"/>
+          </p:cNvCxnSpPr>
+          <p:nvPr/>
+        </p:nvCxnSpPr>
+        <p:spPr>
+          <a:xfrm flipV="1">
+            <a:off x="2986826" y="2971800"/>
+            <a:ext cx="1346482" cy="584200"/>
+          </a:xfrm>
+          <a:prstGeom prst="line">
+            <a:avLst/>
+          </a:prstGeom>
+          <a:ln w="19050"/>
+        </p:spPr>
+        <p:style>
+          <a:lnRef idx="1">
+            <a:schemeClr val="accent1"/>
+          </a:lnRef>
+          <a:fillRef idx="0">
+            <a:schemeClr val="accent1"/>
+          </a:fillRef>
+          <a:effectRef idx="0">
+            <a:schemeClr val="accent1"/>
+          </a:effectRef>
+          <a:fontRef idx="minor">
+            <a:schemeClr val="tx1"/>
+          </a:fontRef>
+        </p:style>
+      </p:cxnSp>
+      <p:cxnSp>
+        <p:nvCxnSpPr>
+          <p:cNvPr id="29" name="Straight Connector 28"/>
+          <p:cNvCxnSpPr>
+            <a:stCxn id="25" idx="0"/>
+            <a:endCxn id="6" idx="2"/>
+          </p:cNvCxnSpPr>
+          <p:nvPr/>
+        </p:nvCxnSpPr>
+        <p:spPr>
+          <a:xfrm flipV="1">
+            <a:off x="1517650" y="2971800"/>
+            <a:ext cx="2815658" cy="584200"/>
+          </a:xfrm>
+          <a:prstGeom prst="line">
+            <a:avLst/>
+          </a:prstGeom>
+          <a:ln w="19050"/>
+        </p:spPr>
+        <p:style>
+          <a:lnRef idx="1">
+            <a:schemeClr val="accent1"/>
+          </a:lnRef>
+          <a:fillRef idx="0">
+            <a:schemeClr val="accent1"/>
+          </a:fillRef>
+          <a:effectRef idx="0">
+            <a:schemeClr val="accent1"/>
+          </a:effectRef>
+          <a:fontRef idx="minor">
+            <a:schemeClr val="tx1"/>
+          </a:fontRef>
+        </p:style>
+      </p:cxnSp>
+      <p:sp>
+        <p:nvSpPr>
+          <p:cNvPr id="30" name="TextBox 29"/>
+          <p:cNvSpPr txBox="1"/>
+          <p:nvPr/>
+        </p:nvSpPr>
+        <p:spPr>
+          <a:xfrm>
+            <a:off x="1060450" y="2694801"/>
+            <a:ext cx="2214452" cy="276999"/>
+          </a:xfrm>
+          <a:prstGeom prst="rect">
+            <a:avLst/>
+          </a:prstGeom>
+          <a:noFill/>
+        </p:spPr>
+        <p:txBody>
+          <a:bodyPr wrap="none" rtlCol="0">
+            <a:spAutoFit/>
+          </a:bodyPr>
+          <a:lstStyle/>
+          <a:p>
+            <a:r>
+              <a:rPr lang="en-PH" sz="1200" b="1" dirty="0" smtClean="0"/>
+              <a:t>Alternative Paths for AUTH0056</a:t>
+            </a:r>
+            <a:endParaRPr lang="en-PH" sz="1200" b="1" dirty="0"/>
+          </a:p>
+        </p:txBody>
+      </p:sp>
+    </p:spTree>
+    <p:extLst>
+      <p:ext uri="{BB962C8B-B14F-4D97-AF65-F5344CB8AC3E}">
+        <p14:creationId xmlns:p14="http://schemas.microsoft.com/office/powerpoint/2010/main" val="1607049241"/>
+      </p:ext>
+    </p:extLst>
+  </p:cSld>
+  <p:clrMapOvr>
+    <a:masterClrMapping/>
+  </p:clrMapOvr>
+  <p:timing>
+    <p:tnLst>
+      <p:par>
+        <p:cTn id="1" dur="indefinite" restart="never" nodeType="tmRoot"/>
+      </p:par>
+    </p:tnLst>
+  </p:timing>
 </p:sld>
 </file>
 
